--- a/Presentation/presentation2/erika_presentation_2.pptx
+++ b/Presentation/presentation2/erika_presentation_2.pptx
@@ -30,7 +30,6 @@
     <p:sldId id="275" r:id="rId24"/>
     <p:sldId id="276" r:id="rId25"/>
     <p:sldId id="277" r:id="rId26"/>
-    <p:sldId id="278" r:id="rId27"/>
   </p:sldIdLst>
   <p:sldSz cy="5143500" cx="9144000"/>
   <p:notesSz cx="6858000" cy="9144000"/>
@@ -1543,7 +1542,7 @@
   <p:cSld>
     <p:spTree>
       <p:nvGrpSpPr>
-        <p:cNvPr id="194" name="Shape 194"/>
+        <p:cNvPr id="193" name="Shape 193"/>
         <p:cNvGrpSpPr/>
         <p:nvPr/>
       </p:nvGrpSpPr>
@@ -1557,7 +1556,7 @@
       </p:grpSpPr>
       <p:sp>
         <p:nvSpPr>
-          <p:cNvPr id="195" name="Shape 195"/>
+          <p:cNvPr id="194" name="Shape 194"/>
           <p:cNvSpPr/>
           <p:nvPr>
             <p:ph idx="2" type="sldImg"/>
@@ -1591,7 +1590,7 @@
       </p:sp>
       <p:sp>
         <p:nvSpPr>
-          <p:cNvPr id="196" name="Shape 196"/>
+          <p:cNvPr id="195" name="Shape 195"/>
           <p:cNvSpPr txBox="1"/>
           <p:nvPr>
             <p:ph idx="1" type="body"/>
@@ -1638,7 +1637,7 @@
   <p:cSld>
     <p:spTree>
       <p:nvGrpSpPr>
-        <p:cNvPr id="202" name="Shape 202"/>
+        <p:cNvPr id="201" name="Shape 201"/>
         <p:cNvGrpSpPr/>
         <p:nvPr/>
       </p:nvGrpSpPr>
@@ -1652,7 +1651,7 @@
       </p:grpSpPr>
       <p:sp>
         <p:nvSpPr>
-          <p:cNvPr id="203" name="Shape 203"/>
+          <p:cNvPr id="202" name="Shape 202"/>
           <p:cNvSpPr/>
           <p:nvPr>
             <p:ph idx="2" type="sldImg"/>
@@ -1686,7 +1685,7 @@
       </p:sp>
       <p:sp>
         <p:nvSpPr>
-          <p:cNvPr id="204" name="Shape 204"/>
+          <p:cNvPr id="203" name="Shape 203"/>
           <p:cNvSpPr txBox="1"/>
           <p:nvPr>
             <p:ph idx="1" type="body"/>
@@ -1733,7 +1732,7 @@
   <p:cSld>
     <p:spTree>
       <p:nvGrpSpPr>
-        <p:cNvPr id="216" name="Shape 216"/>
+        <p:cNvPr id="215" name="Shape 215"/>
         <p:cNvGrpSpPr/>
         <p:nvPr/>
       </p:nvGrpSpPr>
@@ -1747,7 +1746,7 @@
       </p:grpSpPr>
       <p:sp>
         <p:nvSpPr>
-          <p:cNvPr id="217" name="Shape 217"/>
+          <p:cNvPr id="216" name="Shape 216"/>
           <p:cNvSpPr/>
           <p:nvPr>
             <p:ph idx="2" type="sldImg"/>
@@ -1781,7 +1780,7 @@
       </p:sp>
       <p:sp>
         <p:nvSpPr>
-          <p:cNvPr id="218" name="Shape 218"/>
+          <p:cNvPr id="217" name="Shape 217"/>
           <p:cNvSpPr txBox="1"/>
           <p:nvPr>
             <p:ph idx="1" type="body"/>
@@ -1828,7 +1827,7 @@
   <p:cSld>
     <p:spTree>
       <p:nvGrpSpPr>
-        <p:cNvPr id="225" name="Shape 225"/>
+        <p:cNvPr id="224" name="Shape 224"/>
         <p:cNvGrpSpPr/>
         <p:nvPr/>
       </p:nvGrpSpPr>
@@ -1842,7 +1841,7 @@
       </p:grpSpPr>
       <p:sp>
         <p:nvSpPr>
-          <p:cNvPr id="226" name="Shape 226"/>
+          <p:cNvPr id="225" name="Shape 225"/>
           <p:cNvSpPr/>
           <p:nvPr>
             <p:ph idx="2" type="sldImg"/>
@@ -1876,7 +1875,7 @@
       </p:sp>
       <p:sp>
         <p:nvSpPr>
-          <p:cNvPr id="227" name="Shape 227"/>
+          <p:cNvPr id="226" name="Shape 226"/>
           <p:cNvSpPr txBox="1"/>
           <p:nvPr>
             <p:ph idx="1" type="body"/>
@@ -1944,7 +1943,7 @@
   <p:cSld>
     <p:spTree>
       <p:nvGrpSpPr>
-        <p:cNvPr id="246" name="Shape 246"/>
+        <p:cNvPr id="245" name="Shape 245"/>
         <p:cNvGrpSpPr/>
         <p:nvPr/>
       </p:nvGrpSpPr>
@@ -1958,7 +1957,7 @@
       </p:grpSpPr>
       <p:sp>
         <p:nvSpPr>
-          <p:cNvPr id="247" name="Shape 247"/>
+          <p:cNvPr id="246" name="Shape 246"/>
           <p:cNvSpPr/>
           <p:nvPr>
             <p:ph idx="2" type="sldImg"/>
@@ -1992,7 +1991,7 @@
       </p:sp>
       <p:sp>
         <p:nvSpPr>
-          <p:cNvPr id="248" name="Shape 248"/>
+          <p:cNvPr id="247" name="Shape 247"/>
           <p:cNvSpPr txBox="1"/>
           <p:nvPr>
             <p:ph idx="1" type="body"/>
@@ -2039,7 +2038,7 @@
   <p:cSld>
     <p:spTree>
       <p:nvGrpSpPr>
-        <p:cNvPr id="256" name="Shape 256"/>
+        <p:cNvPr id="255" name="Shape 255"/>
         <p:cNvGrpSpPr/>
         <p:nvPr/>
       </p:nvGrpSpPr>
@@ -2053,7 +2052,7 @@
       </p:grpSpPr>
       <p:sp>
         <p:nvSpPr>
-          <p:cNvPr id="257" name="Shape 257"/>
+          <p:cNvPr id="256" name="Shape 256"/>
           <p:cNvSpPr/>
           <p:nvPr>
             <p:ph idx="2" type="sldImg"/>
@@ -2087,7 +2086,7 @@
       </p:sp>
       <p:sp>
         <p:nvSpPr>
-          <p:cNvPr id="258" name="Shape 258"/>
+          <p:cNvPr id="257" name="Shape 257"/>
           <p:cNvSpPr txBox="1"/>
           <p:nvPr>
             <p:ph idx="1" type="body"/>
@@ -2253,7 +2252,7 @@
   <p:cSld>
     <p:spTree>
       <p:nvGrpSpPr>
-        <p:cNvPr id="268" name="Shape 268"/>
+        <p:cNvPr id="267" name="Shape 267"/>
         <p:cNvGrpSpPr/>
         <p:nvPr/>
       </p:nvGrpSpPr>
@@ -2267,7 +2266,7 @@
       </p:grpSpPr>
       <p:sp>
         <p:nvSpPr>
-          <p:cNvPr id="269" name="Shape 269"/>
+          <p:cNvPr id="268" name="Shape 268"/>
           <p:cNvSpPr/>
           <p:nvPr>
             <p:ph idx="2" type="sldImg"/>
@@ -2301,7 +2300,7 @@
       </p:sp>
       <p:sp>
         <p:nvSpPr>
-          <p:cNvPr id="270" name="Shape 270"/>
+          <p:cNvPr id="269" name="Shape 269"/>
           <p:cNvSpPr txBox="1"/>
           <p:nvPr>
             <p:ph idx="1" type="body"/>
@@ -2348,7 +2347,7 @@
   <p:cSld>
     <p:spTree>
       <p:nvGrpSpPr>
-        <p:cNvPr id="279" name="Shape 279"/>
+        <p:cNvPr id="278" name="Shape 278"/>
         <p:cNvGrpSpPr/>
         <p:nvPr/>
       </p:nvGrpSpPr>
@@ -2362,7 +2361,7 @@
       </p:grpSpPr>
       <p:sp>
         <p:nvSpPr>
-          <p:cNvPr id="280" name="Shape 280"/>
+          <p:cNvPr id="279" name="Shape 279"/>
           <p:cNvSpPr/>
           <p:nvPr>
             <p:ph idx="2" type="sldImg"/>
@@ -2396,7 +2395,7 @@
       </p:sp>
       <p:sp>
         <p:nvSpPr>
-          <p:cNvPr id="281" name="Shape 281"/>
+          <p:cNvPr id="280" name="Shape 280"/>
           <p:cNvSpPr txBox="1"/>
           <p:nvPr>
             <p:ph idx="1" type="body"/>
@@ -2442,7 +2441,7 @@
   <p:cSld>
     <p:spTree>
       <p:nvGrpSpPr>
-        <p:cNvPr id="289" name="Shape 289"/>
+        <p:cNvPr id="288" name="Shape 288"/>
         <p:cNvGrpSpPr/>
         <p:nvPr/>
       </p:nvGrpSpPr>
@@ -2456,7 +2455,7 @@
       </p:grpSpPr>
       <p:sp>
         <p:nvSpPr>
-          <p:cNvPr id="290" name="Shape 290"/>
+          <p:cNvPr id="289" name="Shape 289"/>
           <p:cNvSpPr/>
           <p:nvPr>
             <p:ph idx="2" type="sldImg"/>
@@ -2490,7 +2489,7 @@
       </p:sp>
       <p:sp>
         <p:nvSpPr>
-          <p:cNvPr id="291" name="Shape 291"/>
+          <p:cNvPr id="290" name="Shape 290"/>
           <p:cNvSpPr txBox="1"/>
           <p:nvPr>
             <p:ph idx="1" type="body"/>
@@ -2521,197 +2520,6 @@
               <a:t/>
             </a:r>
             <a:endParaRPr/>
-          </a:p>
-        </p:txBody>
-      </p:sp>
-    </p:spTree>
-  </p:cSld>
-  <p:clrMapOvr>
-    <a:masterClrMapping/>
-  </p:clrMapOvr>
-</p:notes>
-</file>
-
-<file path=ppt/notesSlides/notesSlide23.xml><?xml version="1.0" encoding="utf-8"?>
-<p:notes xmlns:a="http://schemas.openxmlformats.org/drawingml/2006/main" xmlns:r="http://schemas.openxmlformats.org/officeDocument/2006/relationships" xmlns:mc="http://schemas.openxmlformats.org/markup-compatibility/2006" xmlns:mv="urn:schemas-microsoft-com:mac:vml" xmlns:p="http://schemas.openxmlformats.org/presentationml/2006/main" xmlns:c="http://schemas.openxmlformats.org/drawingml/2006/chart" xmlns:dgm="http://schemas.openxmlformats.org/drawingml/2006/diagram" xmlns:o="urn:schemas-microsoft-com:office:office" xmlns:v="urn:schemas-microsoft-com:vml" xmlns:pvml="urn:schemas-microsoft-com:office:powerpoint" xmlns:com="http://schemas.openxmlformats.org/drawingml/2006/compatibility" xmlns:p14="http://schemas.microsoft.com/office/powerpoint/2010/main" showMasterPhAnim="0" showMasterSp="0">
-  <p:cSld>
-    <p:spTree>
-      <p:nvGrpSpPr>
-        <p:cNvPr id="296" name="Shape 296"/>
-        <p:cNvGrpSpPr/>
-        <p:nvPr/>
-      </p:nvGrpSpPr>
-      <p:grpSpPr>
-        <a:xfrm>
-          <a:off x="0" y="0"/>
-          <a:ext cx="0" cy="0"/>
-          <a:chOff x="0" y="0"/>
-          <a:chExt cx="0" cy="0"/>
-        </a:xfrm>
-      </p:grpSpPr>
-      <p:sp>
-        <p:nvSpPr>
-          <p:cNvPr id="297" name="Shape 297"/>
-          <p:cNvSpPr/>
-          <p:nvPr>
-            <p:ph idx="2" type="sldImg"/>
-          </p:nvPr>
-        </p:nvSpPr>
-        <p:spPr>
-          <a:xfrm>
-            <a:off x="381300" y="685800"/>
-            <a:ext cx="6096000" cy="3429000"/>
-          </a:xfrm>
-          <a:custGeom>
-            <a:pathLst>
-              <a:path extrusionOk="0" h="120000" w="120000">
-                <a:moveTo>
-                  <a:pt x="0" y="0"/>
-                </a:moveTo>
-                <a:lnTo>
-                  <a:pt x="120000" y="0"/>
-                </a:lnTo>
-                <a:lnTo>
-                  <a:pt x="120000" y="120000"/>
-                </a:lnTo>
-                <a:lnTo>
-                  <a:pt x="0" y="120000"/>
-                </a:lnTo>
-                <a:close/>
-              </a:path>
-            </a:pathLst>
-          </a:custGeom>
-        </p:spPr>
-      </p:sp>
-      <p:sp>
-        <p:nvSpPr>
-          <p:cNvPr id="298" name="Shape 298"/>
-          <p:cNvSpPr txBox="1"/>
-          <p:nvPr>
-            <p:ph idx="1" type="body"/>
-          </p:nvPr>
-        </p:nvSpPr>
-        <p:spPr>
-          <a:xfrm>
-            <a:off x="685800" y="4343400"/>
-            <a:ext cx="5486400" cy="4114800"/>
-          </a:xfrm>
-          <a:prstGeom prst="rect">
-            <a:avLst/>
-          </a:prstGeom>
-        </p:spPr>
-        <p:txBody>
-          <a:bodyPr anchorCtr="0" anchor="t" bIns="91425" lIns="91425" rIns="91425" tIns="91425">
-            <a:noAutofit/>
-          </a:bodyPr>
-          <a:lstStyle/>
-          <a:p>
-            <a:pPr lvl="0">
-              <a:spcBef>
-                <a:spcPts val="0"/>
-              </a:spcBef>
-              <a:buNone/>
-            </a:pPr>
-            <a:r>
-              <a:rPr lang="en"/>
-              <a:t>Check:</a:t>
-            </a:r>
-          </a:p>
-          <a:p>
-            <a:pPr indent="-228600" lvl="0" marL="457200" rtl="0">
-              <a:spcBef>
-                <a:spcPts val="0"/>
-              </a:spcBef>
-              <a:buAutoNum type="arabicPeriod"/>
-            </a:pPr>
-            <a:r>
-              <a:rPr lang="en"/>
-              <a:t>Judul slide</a:t>
-            </a:r>
-          </a:p>
-          <a:p>
-            <a:pPr indent="-228600" lvl="0" marL="457200" rtl="0">
-              <a:spcBef>
-                <a:spcPts val="0"/>
-              </a:spcBef>
-              <a:buAutoNum type="arabicPeriod"/>
-            </a:pPr>
-            <a:r>
-              <a:rPr lang="en"/>
-              <a:t>References</a:t>
-            </a:r>
-          </a:p>
-          <a:p>
-            <a:pPr indent="-228600" lvl="0" marL="457200" rtl="0">
-              <a:spcBef>
-                <a:spcPts val="0"/>
-              </a:spcBef>
-              <a:buAutoNum type="arabicPeriod"/>
-            </a:pPr>
-            <a:r>
-              <a:rPr lang="en"/>
-              <a:t>Pastikan judul tiap slide nyambung dengan kontennya</a:t>
-            </a:r>
-          </a:p>
-          <a:p>
-            <a:pPr indent="-228600" lvl="0" marL="457200" rtl="0">
-              <a:spcBef>
-                <a:spcPts val="0"/>
-              </a:spcBef>
-              <a:buAutoNum type="arabicPeriod"/>
-            </a:pPr>
-            <a:r>
-              <a:rPr lang="en"/>
-              <a:t>Pastikan ada nomor slide</a:t>
-            </a:r>
-          </a:p>
-          <a:p>
-            <a:pPr indent="-228600" lvl="0" marL="457200" rtl="0">
-              <a:spcBef>
-                <a:spcPts val="0"/>
-              </a:spcBef>
-              <a:buAutoNum type="arabicPeriod"/>
-            </a:pPr>
-            <a:r>
-              <a:rPr lang="en"/>
-              <a:t>Check grammar dan typos</a:t>
-            </a:r>
-          </a:p>
-          <a:p>
-            <a:pPr indent="-228600" lvl="0" marL="457200" rtl="0">
-              <a:spcBef>
-                <a:spcPts val="0"/>
-              </a:spcBef>
-              <a:buAutoNum type="arabicPeriod"/>
-            </a:pPr>
-            <a:r>
-              <a:rPr lang="en"/>
-              <a:t>Check judul table dan figures</a:t>
-            </a:r>
-          </a:p>
-          <a:p>
-            <a:pPr indent="-228600" lvl="0" marL="457200" rtl="0">
-              <a:spcBef>
-                <a:spcPts val="0"/>
-              </a:spcBef>
-              <a:buAutoNum type="arabicPeriod"/>
-            </a:pPr>
-            <a:r>
-              <a:rPr lang="en"/>
-              <a:t>Kalo ada table dan gambar yang bukan diambil dari paper, cantumkan sumbernya.</a:t>
-            </a:r>
-          </a:p>
-          <a:p>
-            <a:pPr indent="-228600" lvl="0" marL="457200">
-              <a:spcBef>
-                <a:spcPts val="0"/>
-              </a:spcBef>
-              <a:buAutoNum type="arabicPeriod"/>
-            </a:pPr>
-            <a:r>
-              <a:rPr lang="en"/>
-              <a:t>Check Outline</a:t>
-            </a:r>
           </a:p>
         </p:txBody>
       </p:sp>
@@ -8074,7 +7882,7 @@
             </a:pPr>
             <a:r>
               <a:rPr lang="en"/>
-              <a:t>Krovetz Algorithm</a:t>
+              <a:t>Krovetz Algorithm focus on...</a:t>
             </a:r>
           </a:p>
         </p:txBody>
@@ -8546,7 +8354,7 @@
             </a:pPr>
             <a:r>
               <a:rPr lang="en"/>
-              <a:t>Statistics on Inflectional Endings</a:t>
+              <a:t>Porter vs KSTEM</a:t>
             </a:r>
           </a:p>
         </p:txBody>
@@ -8556,17 +8364,55 @@
           <p:cNvPr id="190" name="Shape 190"/>
           <p:cNvSpPr txBox="1"/>
           <p:nvPr>
-            <p:ph idx="1" type="body"/>
+            <p:ph idx="12" type="sldNum"/>
           </p:nvPr>
         </p:nvSpPr>
         <p:spPr>
           <a:xfrm>
-            <a:off x="311700" y="1152475"/>
-            <a:ext cx="8520600" cy="3416400"/>
+            <a:off x="8472457" y="4663216"/>
+            <a:ext cx="548700" cy="393600"/>
           </a:xfrm>
           <a:prstGeom prst="rect">
             <a:avLst/>
           </a:prstGeom>
+        </p:spPr>
+        <p:txBody>
+          <a:bodyPr anchorCtr="0" anchor="ctr" bIns="91425" lIns="91425" rIns="91425" tIns="91425">
+            <a:noAutofit/>
+          </a:bodyPr>
+          <a:lstStyle/>
+          <a:p>
+            <a:pPr lvl="0">
+              <a:spcBef>
+                <a:spcPts val="0"/>
+              </a:spcBef>
+              <a:buNone/>
+            </a:pPr>
+            <a:fld id="{00000000-1234-1234-1234-123412341234}" type="slidenum">
+              <a:rPr lang="en" sz="800"/>
+              <a:t>‹#›</a:t>
+            </a:fld>
+          </a:p>
+        </p:txBody>
+      </p:sp>
+      <p:sp>
+        <p:nvSpPr>
+          <p:cNvPr id="191" name="Shape 191"/>
+          <p:cNvSpPr txBox="1"/>
+          <p:nvPr/>
+        </p:nvSpPr>
+        <p:spPr>
+          <a:xfrm>
+            <a:off x="247400" y="4785475"/>
+            <a:ext cx="3672000" cy="149100"/>
+          </a:xfrm>
+          <a:prstGeom prst="rect">
+            <a:avLst/>
+          </a:prstGeom>
+          <a:noFill/>
+          <a:ln>
+            <a:noFill/>
+          </a:ln>
         </p:spPr>
         <p:txBody>
           <a:bodyPr anchorCtr="0" anchor="t" bIns="91425" lIns="91425" rIns="91425" tIns="91425">
@@ -8574,164 +8420,53 @@
           </a:bodyPr>
           <a:lstStyle/>
           <a:p>
-            <a:pPr lvl="0">
-              <a:lnSpc>
-                <a:spcPct val="100000"/>
-              </a:lnSpc>
-              <a:spcBef>
-                <a:spcPts val="0"/>
-              </a:spcBef>
-              <a:spcAft>
-                <a:spcPts val="0"/>
-              </a:spcAft>
-              <a:buNone/>
-            </a:pPr>
-            <a:r>
-              <a:rPr lang="en" sz="1000">
-                <a:solidFill>
-                  <a:srgbClr val="000000"/>
-                </a:solidFill>
-              </a:rPr>
-              <a:t>Table from Krovetz (1993) </a:t>
-            </a:r>
-          </a:p>
-          <a:p>
-            <a:pPr lvl="0">
-              <a:lnSpc>
-                <a:spcPct val="100000"/>
-              </a:lnSpc>
-              <a:spcBef>
-                <a:spcPts val="0"/>
-              </a:spcBef>
-              <a:spcAft>
-                <a:spcPts val="0"/>
-              </a:spcAft>
-              <a:buNone/>
-            </a:pPr>
-            <a:r>
-              <a:rPr lang="en" sz="1000">
-                <a:solidFill>
-                  <a:srgbClr val="000000"/>
-                </a:solidFill>
-              </a:rPr>
-              <a:t>Table from Krovetz (1993) </a:t>
-            </a:r>
-          </a:p>
-          <a:p>
-            <a:pPr lvl="0">
-              <a:spcBef>
-                <a:spcPts val="0"/>
-              </a:spcBef>
-              <a:buNone/>
-            </a:pPr>
-            <a:r>
-              <a:t/>
-            </a:r>
-            <a:endParaRPr/>
+            <a:pPr lvl="0" rtl="0">
+              <a:spcBef>
+                <a:spcPts val="0"/>
+              </a:spcBef>
+              <a:buNone/>
+            </a:pPr>
+            <a:r>
+              <a:rPr lang="en" sz="1000"/>
+              <a:t>*Figure from Croft, Metzler, Strohman (2009) </a:t>
+            </a:r>
           </a:p>
         </p:txBody>
       </p:sp>
       <p:pic>
         <p:nvPicPr>
-          <p:cNvPr id="191" name="Shape 191"/>
+          <p:cNvPr id="192" name="Shape 192"/>
           <p:cNvPicPr preferRelativeResize="0"/>
           <p:nvPr/>
         </p:nvPicPr>
-        <p:blipFill rotWithShape="1">
+        <p:blipFill>
           <a:blip r:embed="rId3">
             <a:alphaModFix/>
           </a:blip>
-          <a:srcRect b="17904" l="0" r="0" t="0"/>
-          <a:stretch/>
+          <a:stretch>
+            <a:fillRect/>
+          </a:stretch>
         </p:blipFill>
         <p:spPr>
           <a:xfrm>
-            <a:off x="353625" y="1152475"/>
-            <a:ext cx="7807049" cy="1212099"/>
+            <a:off x="311700" y="1228299"/>
+            <a:ext cx="8520598" cy="2490393"/>
           </a:xfrm>
           <a:prstGeom prst="rect">
             <a:avLst/>
           </a:prstGeom>
           <a:noFill/>
-          <a:ln>
-            <a:noFill/>
+          <a:ln cap="flat" cmpd="sng" w="9525">
+            <a:solidFill>
+              <a:srgbClr val="000000"/>
+            </a:solidFill>
+            <a:prstDash val="solid"/>
+            <a:round/>
+            <a:headEnd len="med" w="med" type="none"/>
+            <a:tailEnd len="med" w="med" type="none"/>
           </a:ln>
         </p:spPr>
       </p:pic>
-      <p:sp>
-        <p:nvSpPr>
-          <p:cNvPr id="192" name="Shape 192"/>
-          <p:cNvSpPr txBox="1"/>
-          <p:nvPr>
-            <p:ph idx="12" type="sldNum"/>
-          </p:nvPr>
-        </p:nvSpPr>
-        <p:spPr>
-          <a:xfrm>
-            <a:off x="8472457" y="4663216"/>
-            <a:ext cx="548700" cy="393600"/>
-          </a:xfrm>
-          <a:prstGeom prst="rect">
-            <a:avLst/>
-          </a:prstGeom>
-        </p:spPr>
-        <p:txBody>
-          <a:bodyPr anchorCtr="0" anchor="ctr" bIns="91425" lIns="91425" rIns="91425" tIns="91425">
-            <a:noAutofit/>
-          </a:bodyPr>
-          <a:lstStyle/>
-          <a:p>
-            <a:pPr lvl="0">
-              <a:spcBef>
-                <a:spcPts val="0"/>
-              </a:spcBef>
-              <a:buNone/>
-            </a:pPr>
-            <a:fld id="{00000000-1234-1234-1234-123412341234}" type="slidenum">
-              <a:rPr lang="en" sz="800"/>
-              <a:t>‹#›</a:t>
-            </a:fld>
-          </a:p>
-        </p:txBody>
-      </p:sp>
-      <p:sp>
-        <p:nvSpPr>
-          <p:cNvPr id="193" name="Shape 193"/>
-          <p:cNvSpPr txBox="1"/>
-          <p:nvPr/>
-        </p:nvSpPr>
-        <p:spPr>
-          <a:xfrm>
-            <a:off x="247400" y="4785475"/>
-            <a:ext cx="3672000" cy="149100"/>
-          </a:xfrm>
-          <a:prstGeom prst="rect">
-            <a:avLst/>
-          </a:prstGeom>
-          <a:noFill/>
-          <a:ln>
-            <a:noFill/>
-          </a:ln>
-        </p:spPr>
-        <p:txBody>
-          <a:bodyPr anchorCtr="0" anchor="t" bIns="91425" lIns="91425" rIns="91425" tIns="91425">
-            <a:noAutofit/>
-          </a:bodyPr>
-          <a:lstStyle/>
-          <a:p>
-            <a:pPr lvl="0" rtl="0">
-              <a:spcBef>
-                <a:spcPts val="0"/>
-              </a:spcBef>
-              <a:buNone/>
-            </a:pPr>
-            <a:r>
-              <a:rPr lang="en" sz="1000"/>
-              <a:t>*Table from Krovetz (1993) </a:t>
-            </a:r>
-          </a:p>
-        </p:txBody>
-      </p:sp>
     </p:spTree>
   </p:cSld>
   <p:clrMapOvr>
@@ -8745,7 +8480,7 @@
   <p:cSld>
     <p:spTree>
       <p:nvGrpSpPr>
-        <p:cNvPr id="197" name="Shape 197"/>
+        <p:cNvPr id="196" name="Shape 196"/>
         <p:cNvGrpSpPr/>
         <p:nvPr/>
       </p:nvGrpSpPr>
@@ -8759,7 +8494,7 @@
       </p:grpSpPr>
       <p:sp>
         <p:nvSpPr>
-          <p:cNvPr id="198" name="Shape 198"/>
+          <p:cNvPr id="197" name="Shape 197"/>
           <p:cNvSpPr txBox="1"/>
           <p:nvPr>
             <p:ph type="title"/>
@@ -8795,7 +8530,7 @@
       </p:sp>
       <p:sp>
         <p:nvSpPr>
-          <p:cNvPr id="199" name="Shape 199"/>
+          <p:cNvPr id="198" name="Shape 198"/>
           <p:cNvSpPr txBox="1"/>
           <p:nvPr>
             <p:ph idx="1" type="body"/>
@@ -9037,7 +8772,7 @@
       </p:sp>
       <p:sp>
         <p:nvSpPr>
-          <p:cNvPr id="200" name="Shape 200"/>
+          <p:cNvPr id="199" name="Shape 199"/>
           <p:cNvSpPr/>
           <p:nvPr/>
         </p:nvSpPr>
@@ -9098,7 +8833,7 @@
       </p:sp>
       <p:sp>
         <p:nvSpPr>
-          <p:cNvPr id="201" name="Shape 201"/>
+          <p:cNvPr id="200" name="Shape 200"/>
           <p:cNvSpPr txBox="1"/>
           <p:nvPr>
             <p:ph idx="12" type="sldNum"/>
@@ -9145,7 +8880,7 @@
   <p:cSld>
     <p:spTree>
       <p:nvGrpSpPr>
-        <p:cNvPr id="205" name="Shape 205"/>
+        <p:cNvPr id="204" name="Shape 204"/>
         <p:cNvGrpSpPr/>
         <p:nvPr/>
       </p:nvGrpSpPr>
@@ -9159,7 +8894,7 @@
       </p:grpSpPr>
       <p:sp>
         <p:nvSpPr>
-          <p:cNvPr id="206" name="Shape 206"/>
+          <p:cNvPr id="205" name="Shape 205"/>
           <p:cNvSpPr txBox="1"/>
           <p:nvPr>
             <p:ph type="title"/>
@@ -9199,7 +8934,7 @@
       </p:sp>
       <p:sp>
         <p:nvSpPr>
-          <p:cNvPr id="207" name="Shape 207"/>
+          <p:cNvPr id="206" name="Shape 206"/>
           <p:cNvSpPr txBox="1"/>
           <p:nvPr>
             <p:ph idx="1" type="body"/>
@@ -9329,7 +9064,7 @@
       </p:sp>
       <p:pic>
         <p:nvPicPr>
-          <p:cNvPr id="208" name="Shape 208"/>
+          <p:cNvPr id="207" name="Shape 207"/>
           <p:cNvPicPr preferRelativeResize="0"/>
           <p:nvPr/>
         </p:nvPicPr>
@@ -9363,7 +9098,7 @@
       </p:pic>
       <p:sp>
         <p:nvSpPr>
-          <p:cNvPr id="209" name="Shape 209"/>
+          <p:cNvPr id="208" name="Shape 208"/>
           <p:cNvSpPr/>
           <p:nvPr/>
         </p:nvSpPr>
@@ -9537,7 +9272,7 @@
       </p:sp>
       <p:pic>
         <p:nvPicPr>
-          <p:cNvPr id="210" name="Shape 210"/>
+          <p:cNvPr id="209" name="Shape 209"/>
           <p:cNvPicPr preferRelativeResize="0"/>
           <p:nvPr/>
         </p:nvPicPr>
@@ -9565,7 +9300,7 @@
       </p:pic>
       <p:pic>
         <p:nvPicPr>
-          <p:cNvPr id="211" name="Shape 211"/>
+          <p:cNvPr id="210" name="Shape 210"/>
           <p:cNvPicPr preferRelativeResize="0"/>
           <p:nvPr/>
         </p:nvPicPr>
@@ -9593,7 +9328,7 @@
       </p:pic>
       <p:pic>
         <p:nvPicPr>
-          <p:cNvPr id="212" name="Shape 212"/>
+          <p:cNvPr id="211" name="Shape 211"/>
           <p:cNvPicPr preferRelativeResize="0"/>
           <p:nvPr/>
         </p:nvPicPr>
@@ -9627,7 +9362,7 @@
       </p:pic>
       <p:sp>
         <p:nvSpPr>
-          <p:cNvPr id="213" name="Shape 213"/>
+          <p:cNvPr id="212" name="Shape 212"/>
           <p:cNvSpPr/>
           <p:nvPr/>
         </p:nvSpPr>
@@ -9676,7 +9411,7 @@
       </p:sp>
       <p:sp>
         <p:nvSpPr>
-          <p:cNvPr id="214" name="Shape 214"/>
+          <p:cNvPr id="213" name="Shape 213"/>
           <p:cNvSpPr txBox="1"/>
           <p:nvPr>
             <p:ph idx="12" type="sldNum"/>
@@ -9712,7 +9447,7 @@
       </p:sp>
       <p:sp>
         <p:nvSpPr>
-          <p:cNvPr id="215" name="Shape 215"/>
+          <p:cNvPr id="214" name="Shape 214"/>
           <p:cNvSpPr/>
           <p:nvPr/>
         </p:nvSpPr>
@@ -9771,7 +9506,7 @@
   <p:cSld>
     <p:spTree>
       <p:nvGrpSpPr>
-        <p:cNvPr id="219" name="Shape 219"/>
+        <p:cNvPr id="218" name="Shape 218"/>
         <p:cNvGrpSpPr/>
         <p:nvPr/>
       </p:nvGrpSpPr>
@@ -9785,7 +9520,7 @@
       </p:grpSpPr>
       <p:sp>
         <p:nvSpPr>
-          <p:cNvPr id="220" name="Shape 220"/>
+          <p:cNvPr id="219" name="Shape 219"/>
           <p:cNvSpPr txBox="1"/>
           <p:nvPr>
             <p:ph type="title"/>
@@ -9821,7 +9556,7 @@
       </p:sp>
       <p:sp>
         <p:nvSpPr>
-          <p:cNvPr id="221" name="Shape 221"/>
+          <p:cNvPr id="220" name="Shape 220"/>
           <p:cNvSpPr txBox="1"/>
           <p:nvPr>
             <p:ph idx="1" type="body"/>
@@ -10013,7 +9748,7 @@
       </p:sp>
       <p:sp>
         <p:nvSpPr>
-          <p:cNvPr id="222" name="Shape 222"/>
+          <p:cNvPr id="221" name="Shape 221"/>
           <p:cNvSpPr txBox="1"/>
           <p:nvPr>
             <p:ph idx="12" type="sldNum"/>
@@ -10049,7 +9784,7 @@
       </p:sp>
       <p:sp>
         <p:nvSpPr>
-          <p:cNvPr id="223" name="Shape 223"/>
+          <p:cNvPr id="222" name="Shape 222"/>
           <p:cNvSpPr/>
           <p:nvPr/>
         </p:nvSpPr>
@@ -10096,7 +9831,7 @@
       </p:sp>
       <p:sp>
         <p:nvSpPr>
-          <p:cNvPr id="224" name="Shape 224"/>
+          <p:cNvPr id="223" name="Shape 223"/>
           <p:cNvSpPr txBox="1"/>
           <p:nvPr/>
         </p:nvSpPr>
@@ -10155,7 +9890,7 @@
   <p:cSld>
     <p:spTree>
       <p:nvGrpSpPr>
-        <p:cNvPr id="228" name="Shape 228"/>
+        <p:cNvPr id="227" name="Shape 227"/>
         <p:cNvGrpSpPr/>
         <p:nvPr/>
       </p:nvGrpSpPr>
@@ -10169,7 +9904,7 @@
       </p:grpSpPr>
       <p:sp>
         <p:nvSpPr>
-          <p:cNvPr id="229" name="Shape 229"/>
+          <p:cNvPr id="228" name="Shape 228"/>
           <p:cNvSpPr txBox="1"/>
           <p:nvPr>
             <p:ph type="title"/>
@@ -10210,7 +9945,7 @@
       </p:sp>
       <p:sp>
         <p:nvSpPr>
-          <p:cNvPr id="230" name="Shape 230"/>
+          <p:cNvPr id="229" name="Shape 229"/>
           <p:cNvSpPr txBox="1"/>
           <p:nvPr>
             <p:ph idx="1" type="body"/>
@@ -10570,7 +10305,7 @@
       </p:sp>
       <p:grpSp>
         <p:nvGrpSpPr>
-          <p:cNvPr id="231" name="Shape 231"/>
+          <p:cNvPr id="230" name="Shape 230"/>
           <p:cNvGrpSpPr/>
           <p:nvPr/>
         </p:nvGrpSpPr>
@@ -10584,7 +10319,7 @@
         </p:grpSpPr>
         <p:sp>
           <p:nvSpPr>
-            <p:cNvPr id="232" name="Shape 232"/>
+            <p:cNvPr id="231" name="Shape 231"/>
             <p:cNvSpPr/>
             <p:nvPr/>
           </p:nvSpPr>
@@ -10631,7 +10366,7 @@
         </p:sp>
         <p:sp>
           <p:nvSpPr>
-            <p:cNvPr id="233" name="Shape 233"/>
+            <p:cNvPr id="232" name="Shape 232"/>
             <p:cNvSpPr txBox="1"/>
             <p:nvPr/>
           </p:nvSpPr>
@@ -10676,7 +10411,7 @@
       </p:grpSp>
       <p:sp>
         <p:nvSpPr>
-          <p:cNvPr id="234" name="Shape 234"/>
+          <p:cNvPr id="233" name="Shape 233"/>
           <p:cNvSpPr txBox="1"/>
           <p:nvPr/>
         </p:nvSpPr>
@@ -10722,7 +10457,7 @@
       </p:sp>
       <p:grpSp>
         <p:nvGrpSpPr>
-          <p:cNvPr id="235" name="Shape 235"/>
+          <p:cNvPr id="234" name="Shape 234"/>
           <p:cNvGrpSpPr/>
           <p:nvPr/>
         </p:nvGrpSpPr>
@@ -10736,7 +10471,7 @@
         </p:grpSpPr>
         <p:grpSp>
           <p:nvGrpSpPr>
-            <p:cNvPr id="236" name="Shape 236"/>
+            <p:cNvPr id="235" name="Shape 235"/>
             <p:cNvGrpSpPr/>
             <p:nvPr/>
           </p:nvGrpSpPr>
@@ -10750,7 +10485,7 @@
           </p:grpSpPr>
           <p:sp>
             <p:nvSpPr>
-              <p:cNvPr id="237" name="Shape 237"/>
+              <p:cNvPr id="236" name="Shape 236"/>
               <p:cNvSpPr/>
               <p:nvPr/>
             </p:nvSpPr>
@@ -10798,7 +10533,7 @@
           </p:sp>
           <p:sp>
             <p:nvSpPr>
-              <p:cNvPr id="238" name="Shape 238"/>
+              <p:cNvPr id="237" name="Shape 237"/>
               <p:cNvSpPr/>
               <p:nvPr/>
             </p:nvSpPr>
@@ -10846,7 +10581,7 @@
           </p:sp>
           <p:sp>
             <p:nvSpPr>
-              <p:cNvPr id="239" name="Shape 239"/>
+              <p:cNvPr id="238" name="Shape 238"/>
               <p:cNvSpPr/>
               <p:nvPr/>
             </p:nvSpPr>
@@ -10894,7 +10629,7 @@
           </p:sp>
           <p:sp>
             <p:nvSpPr>
-              <p:cNvPr id="240" name="Shape 240"/>
+              <p:cNvPr id="239" name="Shape 239"/>
               <p:cNvSpPr/>
               <p:nvPr/>
             </p:nvSpPr>
@@ -10943,7 +10678,7 @@
           </p:sp>
           <p:sp>
             <p:nvSpPr>
-              <p:cNvPr id="241" name="Shape 241"/>
+              <p:cNvPr id="240" name="Shape 240"/>
               <p:cNvSpPr/>
               <p:nvPr/>
             </p:nvSpPr>
@@ -10993,7 +10728,7 @@
         </p:grpSp>
         <p:sp>
           <p:nvSpPr>
-            <p:cNvPr id="242" name="Shape 242"/>
+            <p:cNvPr id="241" name="Shape 241"/>
             <p:cNvSpPr/>
             <p:nvPr/>
           </p:nvSpPr>
@@ -11041,7 +10776,7 @@
         </p:sp>
         <p:sp>
           <p:nvSpPr>
-            <p:cNvPr id="243" name="Shape 243"/>
+            <p:cNvPr id="242" name="Shape 242"/>
             <p:cNvSpPr/>
             <p:nvPr/>
           </p:nvSpPr>
@@ -11091,7 +10826,7 @@
       </p:grpSp>
       <p:sp>
         <p:nvSpPr>
-          <p:cNvPr id="244" name="Shape 244"/>
+          <p:cNvPr id="243" name="Shape 243"/>
           <p:cNvSpPr txBox="1"/>
           <p:nvPr>
             <p:ph idx="12" type="sldNum"/>
@@ -11127,7 +10862,7 @@
       </p:sp>
       <p:sp>
         <p:nvSpPr>
-          <p:cNvPr id="245" name="Shape 245"/>
+          <p:cNvPr id="244" name="Shape 244"/>
           <p:cNvSpPr/>
           <p:nvPr/>
         </p:nvSpPr>
@@ -11284,7 +11019,7 @@
                                           </p:stCondLst>
                                         </p:cTn>
                                         <p:tgtEl>
-                                          <p:spTgt spid="245"/>
+                                          <p:spTgt spid="244"/>
                                         </p:tgtEl>
                                         <p:attrNameLst>
                                           <p:attrName>style.visibility</p:attrName>
@@ -11298,7 +11033,7 @@
                                       <p:cBhvr>
                                         <p:cTn dur="1000"/>
                                         <p:tgtEl>
-                                          <p:spTgt spid="245"/>
+                                          <p:spTgt spid="244"/>
                                         </p:tgtEl>
                                       </p:cBhvr>
                                     </p:animEffect>
@@ -11337,7 +11072,7 @@
                                           </p:stCondLst>
                                         </p:cTn>
                                         <p:tgtEl>
-                                          <p:spTgt spid="245"/>
+                                          <p:spTgt spid="244"/>
                                         </p:tgtEl>
                                         <p:attrNameLst>
                                           <p:attrName>style.visibility</p:attrName>
@@ -11351,7 +11086,7 @@
                                       <p:cBhvr additive="base">
                                         <p:cTn dur="1000"/>
                                         <p:tgtEl>
-                                          <p:spTgt spid="245"/>
+                                          <p:spTgt spid="244"/>
                                         </p:tgtEl>
                                         <p:attrNameLst>
                                           <p:attrName>ppt_x</p:attrName>
@@ -11409,7 +11144,7 @@
   <p:cSld>
     <p:spTree>
       <p:nvGrpSpPr>
-        <p:cNvPr id="249" name="Shape 249"/>
+        <p:cNvPr id="248" name="Shape 248"/>
         <p:cNvGrpSpPr/>
         <p:nvPr/>
       </p:nvGrpSpPr>
@@ -11423,7 +11158,7 @@
       </p:grpSpPr>
       <p:sp>
         <p:nvSpPr>
-          <p:cNvPr id="250" name="Shape 250"/>
+          <p:cNvPr id="249" name="Shape 249"/>
           <p:cNvSpPr txBox="1"/>
           <p:nvPr>
             <p:ph type="title"/>
@@ -11459,7 +11194,7 @@
       </p:sp>
       <p:sp>
         <p:nvSpPr>
-          <p:cNvPr id="251" name="Shape 251"/>
+          <p:cNvPr id="250" name="Shape 250"/>
           <p:cNvSpPr txBox="1"/>
           <p:nvPr>
             <p:ph idx="1" type="body"/>
@@ -11495,7 +11230,7 @@
       </p:sp>
       <p:pic>
         <p:nvPicPr>
-          <p:cNvPr id="252" name="Shape 252"/>
+          <p:cNvPr id="251" name="Shape 251"/>
           <p:cNvPicPr preferRelativeResize="0"/>
           <p:nvPr/>
         </p:nvPicPr>
@@ -11529,7 +11264,7 @@
       </p:pic>
       <p:sp>
         <p:nvSpPr>
-          <p:cNvPr id="253" name="Shape 253"/>
+          <p:cNvPr id="252" name="Shape 252"/>
           <p:cNvSpPr txBox="1"/>
           <p:nvPr/>
         </p:nvSpPr>
@@ -11579,7 +11314,7 @@
       </p:sp>
       <p:sp>
         <p:nvSpPr>
-          <p:cNvPr id="254" name="Shape 254"/>
+          <p:cNvPr id="253" name="Shape 253"/>
           <p:cNvSpPr txBox="1"/>
           <p:nvPr>
             <p:ph idx="12" type="sldNum"/>
@@ -11615,7 +11350,7 @@
       </p:sp>
       <p:sp>
         <p:nvSpPr>
-          <p:cNvPr id="255" name="Shape 255"/>
+          <p:cNvPr id="254" name="Shape 254"/>
           <p:cNvSpPr txBox="1"/>
           <p:nvPr/>
         </p:nvSpPr>
@@ -11664,7 +11399,7 @@
   <p:cSld>
     <p:spTree>
       <p:nvGrpSpPr>
-        <p:cNvPr id="259" name="Shape 259"/>
+        <p:cNvPr id="258" name="Shape 258"/>
         <p:cNvGrpSpPr/>
         <p:nvPr/>
       </p:nvGrpSpPr>
@@ -11678,7 +11413,7 @@
       </p:grpSpPr>
       <p:sp>
         <p:nvSpPr>
-          <p:cNvPr id="260" name="Shape 260"/>
+          <p:cNvPr id="259" name="Shape 259"/>
           <p:cNvSpPr/>
           <p:nvPr/>
         </p:nvSpPr>
@@ -11726,7 +11461,7 @@
       </p:sp>
       <p:sp>
         <p:nvSpPr>
-          <p:cNvPr id="261" name="Shape 261"/>
+          <p:cNvPr id="260" name="Shape 260"/>
           <p:cNvSpPr/>
           <p:nvPr/>
         </p:nvSpPr>
@@ -11774,7 +11509,7 @@
       </p:sp>
       <p:sp>
         <p:nvSpPr>
-          <p:cNvPr id="262" name="Shape 262"/>
+          <p:cNvPr id="261" name="Shape 261"/>
           <p:cNvSpPr/>
           <p:nvPr/>
         </p:nvSpPr>
@@ -11830,7 +11565,7 @@
       </p:sp>
       <p:sp>
         <p:nvSpPr>
-          <p:cNvPr id="263" name="Shape 263"/>
+          <p:cNvPr id="262" name="Shape 262"/>
           <p:cNvSpPr txBox="1"/>
           <p:nvPr>
             <p:ph idx="12" type="sldNum"/>
@@ -11866,7 +11601,7 @@
       </p:sp>
       <p:pic>
         <p:nvPicPr>
-          <p:cNvPr id="264" name="Shape 264"/>
+          <p:cNvPr id="263" name="Shape 263"/>
           <p:cNvPicPr preferRelativeResize="0"/>
           <p:nvPr/>
         </p:nvPicPr>
@@ -11900,7 +11635,7 @@
       </p:pic>
       <p:sp>
         <p:nvSpPr>
-          <p:cNvPr id="265" name="Shape 265"/>
+          <p:cNvPr id="264" name="Shape 264"/>
           <p:cNvSpPr/>
           <p:nvPr/>
         </p:nvSpPr>
@@ -12024,7 +11759,7 @@
       </p:sp>
       <p:sp>
         <p:nvSpPr>
-          <p:cNvPr id="266" name="Shape 266"/>
+          <p:cNvPr id="265" name="Shape 265"/>
           <p:cNvSpPr/>
           <p:nvPr/>
         </p:nvSpPr>
@@ -12073,7 +11808,7 @@
       </p:sp>
       <p:sp>
         <p:nvSpPr>
-          <p:cNvPr id="267" name="Shape 267"/>
+          <p:cNvPr id="266" name="Shape 266"/>
           <p:cNvSpPr txBox="1"/>
           <p:nvPr/>
         </p:nvSpPr>
@@ -12667,7 +12402,7 @@
   <p:cSld>
     <p:spTree>
       <p:nvGrpSpPr>
-        <p:cNvPr id="271" name="Shape 271"/>
+        <p:cNvPr id="270" name="Shape 270"/>
         <p:cNvGrpSpPr/>
         <p:nvPr/>
       </p:nvGrpSpPr>
@@ -12681,7 +12416,7 @@
       </p:grpSpPr>
       <p:sp>
         <p:nvSpPr>
-          <p:cNvPr id="272" name="Shape 272"/>
+          <p:cNvPr id="271" name="Shape 271"/>
           <p:cNvSpPr txBox="1"/>
           <p:nvPr>
             <p:ph type="title"/>
@@ -12717,7 +12452,7 @@
       </p:sp>
       <p:sp>
         <p:nvSpPr>
-          <p:cNvPr id="273" name="Shape 273"/>
+          <p:cNvPr id="272" name="Shape 272"/>
           <p:cNvSpPr txBox="1"/>
           <p:nvPr>
             <p:ph idx="1" type="body"/>
@@ -12944,7 +12679,7 @@
       </p:sp>
       <p:pic>
         <p:nvPicPr>
-          <p:cNvPr id="274" name="Shape 274"/>
+          <p:cNvPr id="273" name="Shape 273"/>
           <p:cNvPicPr preferRelativeResize="0"/>
           <p:nvPr/>
         </p:nvPicPr>
@@ -12978,7 +12713,7 @@
       </p:pic>
       <p:pic>
         <p:nvPicPr>
-          <p:cNvPr id="275" name="Shape 275"/>
+          <p:cNvPr id="274" name="Shape 274"/>
           <p:cNvPicPr preferRelativeResize="0"/>
           <p:nvPr/>
         </p:nvPicPr>
@@ -13012,7 +12747,7 @@
       </p:pic>
       <p:sp>
         <p:nvSpPr>
-          <p:cNvPr id="276" name="Shape 276"/>
+          <p:cNvPr id="275" name="Shape 275"/>
           <p:cNvSpPr/>
           <p:nvPr/>
         </p:nvSpPr>
@@ -13062,7 +12797,7 @@
       </p:sp>
       <p:sp>
         <p:nvSpPr>
-          <p:cNvPr id="277" name="Shape 277"/>
+          <p:cNvPr id="276" name="Shape 276"/>
           <p:cNvSpPr txBox="1"/>
           <p:nvPr>
             <p:ph idx="12" type="sldNum"/>
@@ -13098,7 +12833,7 @@
       </p:sp>
       <p:sp>
         <p:nvSpPr>
-          <p:cNvPr id="278" name="Shape 278"/>
+          <p:cNvPr id="277" name="Shape 277"/>
           <p:cNvSpPr txBox="1"/>
           <p:nvPr/>
         </p:nvSpPr>
@@ -13147,7 +12882,7 @@
   <p:cSld>
     <p:spTree>
       <p:nvGrpSpPr>
-        <p:cNvPr id="282" name="Shape 282"/>
+        <p:cNvPr id="281" name="Shape 281"/>
         <p:cNvGrpSpPr/>
         <p:nvPr/>
       </p:nvGrpSpPr>
@@ -13161,7 +12896,7 @@
       </p:grpSpPr>
       <p:sp>
         <p:nvSpPr>
-          <p:cNvPr id="283" name="Shape 283"/>
+          <p:cNvPr id="282" name="Shape 282"/>
           <p:cNvSpPr txBox="1"/>
           <p:nvPr>
             <p:ph type="title"/>
@@ -13190,14 +12925,14 @@
             </a:pPr>
             <a:r>
               <a:rPr lang="en"/>
-              <a:t>Conclusion</a:t>
+              <a:t>Conclusions</a:t>
             </a:r>
           </a:p>
         </p:txBody>
       </p:sp>
       <p:sp>
         <p:nvSpPr>
-          <p:cNvPr id="284" name="Shape 284"/>
+          <p:cNvPr id="283" name="Shape 283"/>
           <p:cNvSpPr txBox="1"/>
           <p:nvPr>
             <p:ph idx="1" type="body"/>
@@ -13346,7 +13081,7 @@
       </p:sp>
       <p:pic>
         <p:nvPicPr>
-          <p:cNvPr id="285" name="Shape 285"/>
+          <p:cNvPr id="284" name="Shape 284"/>
           <p:cNvPicPr preferRelativeResize="0"/>
           <p:nvPr/>
         </p:nvPicPr>
@@ -13380,7 +13115,7 @@
       </p:pic>
       <p:pic>
         <p:nvPicPr>
-          <p:cNvPr id="286" name="Shape 286"/>
+          <p:cNvPr id="285" name="Shape 285"/>
           <p:cNvPicPr preferRelativeResize="0"/>
           <p:nvPr/>
         </p:nvPicPr>
@@ -13414,7 +13149,7 @@
       </p:pic>
       <p:sp>
         <p:nvSpPr>
-          <p:cNvPr id="287" name="Shape 287"/>
+          <p:cNvPr id="286" name="Shape 286"/>
           <p:cNvSpPr txBox="1"/>
           <p:nvPr>
             <p:ph idx="12" type="sldNum"/>
@@ -13450,7 +13185,7 @@
       </p:sp>
       <p:sp>
         <p:nvSpPr>
-          <p:cNvPr id="288" name="Shape 288"/>
+          <p:cNvPr id="287" name="Shape 287"/>
           <p:cNvSpPr txBox="1"/>
           <p:nvPr/>
         </p:nvSpPr>
@@ -13499,6 +13234,142 @@
             <p:seq concurrent="1" nextAc="seek">
               <p:cTn dur="indefinite" id="2" nodeType="mainSeq">
                 <p:childTnLst>
+                  <p:par>
+                    <p:cTn fill="hold">
+                      <p:stCondLst>
+                        <p:cond delay="indefinite"/>
+                      </p:stCondLst>
+                      <p:childTnLst>
+                        <p:par>
+                          <p:cTn fill="hold">
+                            <p:stCondLst>
+                              <p:cond delay="0"/>
+                            </p:stCondLst>
+                            <p:childTnLst>
+                              <p:par>
+                                <p:cTn fill="hold" nodeType="clickEffect" presetClass="entr" presetID="2" presetSubtype="2">
+                                  <p:stCondLst>
+                                    <p:cond delay="0"/>
+                                  </p:stCondLst>
+                                  <p:childTnLst>
+                                    <p:set>
+                                      <p:cBhvr>
+                                        <p:cTn dur="1" fill="hold">
+                                          <p:stCondLst>
+                                            <p:cond delay="0"/>
+                                          </p:stCondLst>
+                                        </p:cTn>
+                                        <p:tgtEl>
+                                          <p:spTgt spid="284"/>
+                                        </p:tgtEl>
+                                        <p:attrNameLst>
+                                          <p:attrName>style.visibility</p:attrName>
+                                        </p:attrNameLst>
+                                      </p:cBhvr>
+                                      <p:to>
+                                        <p:strVal val="visible"/>
+                                      </p:to>
+                                    </p:set>
+                                    <p:anim calcmode="lin" valueType="num">
+                                      <p:cBhvr additive="base">
+                                        <p:cTn dur="1000"/>
+                                        <p:tgtEl>
+                                          <p:spTgt spid="284"/>
+                                        </p:tgtEl>
+                                        <p:attrNameLst>
+                                          <p:attrName>ppt_x</p:attrName>
+                                        </p:attrNameLst>
+                                      </p:cBhvr>
+                                      <p:tavLst>
+                                        <p:tav fmla="" tm="0">
+                                          <p:val>
+                                            <p:strVal val="#ppt_x+1"/>
+                                          </p:val>
+                                        </p:tav>
+                                        <p:tav fmla="" tm="100000">
+                                          <p:val>
+                                            <p:strVal val="#ppt_x"/>
+                                          </p:val>
+                                        </p:tav>
+                                      </p:tavLst>
+                                    </p:anim>
+                                  </p:childTnLst>
+                                </p:cTn>
+                              </p:par>
+                            </p:childTnLst>
+                          </p:cTn>
+                        </p:par>
+                      </p:childTnLst>
+                    </p:cTn>
+                  </p:par>
+                  <p:par>
+                    <p:cTn fill="hold">
+                      <p:stCondLst>
+                        <p:cond delay="indefinite"/>
+                      </p:stCondLst>
+                      <p:childTnLst>
+                        <p:par>
+                          <p:cTn fill="hold">
+                            <p:stCondLst>
+                              <p:cond delay="0"/>
+                            </p:stCondLst>
+                            <p:childTnLst>
+                              <p:par>
+                                <p:cTn fill="hold" nodeType="clickEffect" presetClass="exit" presetID="2" presetSubtype="8">
+                                  <p:stCondLst>
+                                    <p:cond delay="0"/>
+                                  </p:stCondLst>
+                                  <p:childTnLst>
+                                    <p:anim calcmode="lin" valueType="num">
+                                      <p:cBhvr additive="base">
+                                        <p:cTn dur="1000"/>
+                                        <p:tgtEl>
+                                          <p:spTgt spid="284"/>
+                                        </p:tgtEl>
+                                        <p:attrNameLst>
+                                          <p:attrName>ppt_x</p:attrName>
+                                        </p:attrNameLst>
+                                      </p:cBhvr>
+                                      <p:tavLst>
+                                        <p:tav fmla="" tm="0">
+                                          <p:val>
+                                            <p:strVal val="#ppt_x"/>
+                                          </p:val>
+                                        </p:tav>
+                                        <p:tav fmla="" tm="100000">
+                                          <p:val>
+                                            <p:strVal val="#ppt_x-1"/>
+                                          </p:val>
+                                        </p:tav>
+                                      </p:tavLst>
+                                    </p:anim>
+                                    <p:set>
+                                      <p:cBhvr>
+                                        <p:cTn dur="1" fill="hold">
+                                          <p:stCondLst>
+                                            <p:cond delay="1000"/>
+                                          </p:stCondLst>
+                                        </p:cTn>
+                                        <p:tgtEl>
+                                          <p:spTgt spid="284"/>
+                                        </p:tgtEl>
+                                        <p:attrNameLst>
+                                          <p:attrName>style.visibility</p:attrName>
+                                        </p:attrNameLst>
+                                      </p:cBhvr>
+                                      <p:to>
+                                        <p:strVal val="hidden"/>
+                                      </p:to>
+                                    </p:set>
+                                  </p:childTnLst>
+                                </p:cTn>
+                              </p:par>
+                            </p:childTnLst>
+                          </p:cTn>
+                        </p:par>
+                      </p:childTnLst>
+                    </p:cTn>
+                  </p:par>
                   <p:par>
                     <p:cTn fill="hold">
                       <p:stCondLst>
@@ -13635,195 +13506,6 @@
                       </p:childTnLst>
                     </p:cTn>
                   </p:par>
-                  <p:par>
-                    <p:cTn fill="hold">
-                      <p:stCondLst>
-                        <p:cond delay="indefinite"/>
-                      </p:stCondLst>
-                      <p:childTnLst>
-                        <p:par>
-                          <p:cTn fill="hold">
-                            <p:stCondLst>
-                              <p:cond delay="0"/>
-                            </p:stCondLst>
-                            <p:childTnLst>
-                              <p:par>
-                                <p:cTn fill="hold" nodeType="clickEffect" presetClass="entr" presetID="2" presetSubtype="2">
-                                  <p:stCondLst>
-                                    <p:cond delay="0"/>
-                                  </p:stCondLst>
-                                  <p:childTnLst>
-                                    <p:set>
-                                      <p:cBhvr>
-                                        <p:cTn dur="1" fill="hold">
-                                          <p:stCondLst>
-                                            <p:cond delay="0"/>
-                                          </p:stCondLst>
-                                        </p:cTn>
-                                        <p:tgtEl>
-                                          <p:spTgt spid="286"/>
-                                        </p:tgtEl>
-                                        <p:attrNameLst>
-                                          <p:attrName>style.visibility</p:attrName>
-                                        </p:attrNameLst>
-                                      </p:cBhvr>
-                                      <p:to>
-                                        <p:strVal val="visible"/>
-                                      </p:to>
-                                    </p:set>
-                                    <p:anim calcmode="lin" valueType="num">
-                                      <p:cBhvr additive="base">
-                                        <p:cTn dur="1000"/>
-                                        <p:tgtEl>
-                                          <p:spTgt spid="286"/>
-                                        </p:tgtEl>
-                                        <p:attrNameLst>
-                                          <p:attrName>ppt_x</p:attrName>
-                                        </p:attrNameLst>
-                                      </p:cBhvr>
-                                      <p:tavLst>
-                                        <p:tav fmla="" tm="0">
-                                          <p:val>
-                                            <p:strVal val="#ppt_x+1"/>
-                                          </p:val>
-                                        </p:tav>
-                                        <p:tav fmla="" tm="100000">
-                                          <p:val>
-                                            <p:strVal val="#ppt_x"/>
-                                          </p:val>
-                                        </p:tav>
-                                      </p:tavLst>
-                                    </p:anim>
-                                  </p:childTnLst>
-                                </p:cTn>
-                              </p:par>
-                            </p:childTnLst>
-                          </p:cTn>
-                        </p:par>
-                      </p:childTnLst>
-                    </p:cTn>
-                  </p:par>
-                  <p:par>
-                    <p:cTn fill="hold">
-                      <p:stCondLst>
-                        <p:cond delay="indefinite"/>
-                      </p:stCondLst>
-                      <p:childTnLst>
-                        <p:par>
-                          <p:cTn fill="hold">
-                            <p:stCondLst>
-                              <p:cond delay="0"/>
-                            </p:stCondLst>
-                            <p:childTnLst>
-                              <p:par>
-                                <p:cTn fill="hold" nodeType="clickEffect" presetClass="exit" presetID="2" presetSubtype="8">
-                                  <p:stCondLst>
-                                    <p:cond delay="0"/>
-                                  </p:stCondLst>
-                                  <p:childTnLst>
-                                    <p:anim calcmode="lin" valueType="num">
-                                      <p:cBhvr additive="base">
-                                        <p:cTn dur="1000"/>
-                                        <p:tgtEl>
-                                          <p:spTgt spid="286"/>
-                                        </p:tgtEl>
-                                        <p:attrNameLst>
-                                          <p:attrName>ppt_x</p:attrName>
-                                        </p:attrNameLst>
-                                      </p:cBhvr>
-                                      <p:tavLst>
-                                        <p:tav fmla="" tm="0">
-                                          <p:val>
-                                            <p:strVal val="#ppt_x"/>
-                                          </p:val>
-                                        </p:tav>
-                                        <p:tav fmla="" tm="100000">
-                                          <p:val>
-                                            <p:strVal val="#ppt_x-1"/>
-                                          </p:val>
-                                        </p:tav>
-                                      </p:tavLst>
-                                    </p:anim>
-                                    <p:set>
-                                      <p:cBhvr>
-                                        <p:cTn dur="1" fill="hold">
-                                          <p:stCondLst>
-                                            <p:cond delay="1000"/>
-                                          </p:stCondLst>
-                                        </p:cTn>
-                                        <p:tgtEl>
-                                          <p:spTgt spid="286"/>
-                                        </p:tgtEl>
-                                        <p:attrNameLst>
-                                          <p:attrName>style.visibility</p:attrName>
-                                        </p:attrNameLst>
-                                      </p:cBhvr>
-                                      <p:to>
-                                        <p:strVal val="hidden"/>
-                                      </p:to>
-                                    </p:set>
-                                  </p:childTnLst>
-                                </p:cTn>
-                              </p:par>
-                            </p:childTnLst>
-                          </p:cTn>
-                        </p:par>
-                      </p:childTnLst>
-                    </p:cTn>
-                  </p:par>
-                  <p:par>
-                    <p:cTn fill="hold">
-                      <p:stCondLst>
-                        <p:cond delay="indefinite"/>
-                      </p:stCondLst>
-                      <p:childTnLst>
-                        <p:par>
-                          <p:cTn fill="hold">
-                            <p:stCondLst>
-                              <p:cond delay="0"/>
-                            </p:stCondLst>
-                            <p:childTnLst>
-                              <p:par>
-                                <p:cTn fill="hold" nodeType="clickEffect" presetClass="entr" presetID="10" presetSubtype="0">
-                                  <p:stCondLst>
-                                    <p:cond delay="0"/>
-                                  </p:stCondLst>
-                                  <p:childTnLst>
-                                    <p:set>
-                                      <p:cBhvr>
-                                        <p:cTn dur="1" fill="hold">
-                                          <p:stCondLst>
-                                            <p:cond delay="0"/>
-                                          </p:stCondLst>
-                                        </p:cTn>
-                                        <p:tgtEl>
-                                          <p:spTgt spid="286"/>
-                                        </p:tgtEl>
-                                        <p:attrNameLst>
-                                          <p:attrName>style.visibility</p:attrName>
-                                        </p:attrNameLst>
-                                      </p:cBhvr>
-                                      <p:to>
-                                        <p:strVal val="visible"/>
-                                      </p:to>
-                                    </p:set>
-                                    <p:animEffect filter="fade" transition="in">
-                                      <p:cBhvr>
-                                        <p:cTn dur="1000"/>
-                                        <p:tgtEl>
-                                          <p:spTgt spid="286"/>
-                                        </p:tgtEl>
-                                      </p:cBhvr>
-                                    </p:animEffect>
-                                  </p:childTnLst>
-                                </p:cTn>
-                              </p:par>
-                            </p:childTnLst>
-                          </p:cTn>
-                        </p:par>
-                      </p:childTnLst>
-                    </p:cTn>
-                  </p:par>
                 </p:childTnLst>
               </p:cTn>
               <p:prevCondLst>
@@ -13854,7 +13536,7 @@
   <p:cSld>
     <p:spTree>
       <p:nvGrpSpPr>
-        <p:cNvPr id="292" name="Shape 292"/>
+        <p:cNvPr id="291" name="Shape 291"/>
         <p:cNvGrpSpPr/>
         <p:nvPr/>
       </p:nvGrpSpPr>
@@ -13868,7 +13550,7 @@
       </p:grpSpPr>
       <p:sp>
         <p:nvSpPr>
-          <p:cNvPr id="293" name="Shape 293"/>
+          <p:cNvPr id="292" name="Shape 292"/>
           <p:cNvSpPr txBox="1"/>
           <p:nvPr>
             <p:ph type="title"/>
@@ -13904,7 +13586,7 @@
       </p:sp>
       <p:sp>
         <p:nvSpPr>
-          <p:cNvPr id="294" name="Shape 294"/>
+          <p:cNvPr id="293" name="Shape 293"/>
           <p:cNvSpPr txBox="1"/>
           <p:nvPr>
             <p:ph idx="1" type="body"/>
@@ -14099,160 +13781,7 @@
       </p:sp>
       <p:sp>
         <p:nvSpPr>
-          <p:cNvPr id="295" name="Shape 295"/>
-          <p:cNvSpPr txBox="1"/>
-          <p:nvPr>
-            <p:ph idx="12" type="sldNum"/>
-          </p:nvPr>
-        </p:nvSpPr>
-        <p:spPr>
-          <a:xfrm>
-            <a:off x="8472457" y="4663216"/>
-            <a:ext cx="548700" cy="393600"/>
-          </a:xfrm>
-          <a:prstGeom prst="rect">
-            <a:avLst/>
-          </a:prstGeom>
-        </p:spPr>
-        <p:txBody>
-          <a:bodyPr anchorCtr="0" anchor="ctr" bIns="91425" lIns="91425" rIns="91425" tIns="91425">
-            <a:noAutofit/>
-          </a:bodyPr>
-          <a:lstStyle/>
-          <a:p>
-            <a:pPr lvl="0">
-              <a:spcBef>
-                <a:spcPts val="0"/>
-              </a:spcBef>
-              <a:buNone/>
-            </a:pPr>
-            <a:fld id="{00000000-1234-1234-1234-123412341234}" type="slidenum">
-              <a:rPr lang="en" sz="800"/>
-              <a:t>‹#›</a:t>
-            </a:fld>
-          </a:p>
-        </p:txBody>
-      </p:sp>
-    </p:spTree>
-  </p:cSld>
-  <p:clrMapOvr>
-    <a:masterClrMapping/>
-  </p:clrMapOvr>
-</p:sld>
-</file>
-
-<file path=ppt/slides/slide23.xml><?xml version="1.0" encoding="utf-8"?>
-<p:sld xmlns:a="http://schemas.openxmlformats.org/drawingml/2006/main" xmlns:r="http://schemas.openxmlformats.org/officeDocument/2006/relationships" xmlns:mc="http://schemas.openxmlformats.org/markup-compatibility/2006" xmlns:mv="urn:schemas-microsoft-com:mac:vml" xmlns:p="http://schemas.openxmlformats.org/presentationml/2006/main" xmlns:c="http://schemas.openxmlformats.org/drawingml/2006/chart" xmlns:dgm="http://schemas.openxmlformats.org/drawingml/2006/diagram" xmlns:o="urn:schemas-microsoft-com:office:office" xmlns:v="urn:schemas-microsoft-com:vml" xmlns:pvml="urn:schemas-microsoft-com:office:powerpoint" xmlns:com="http://schemas.openxmlformats.org/drawingml/2006/compatibility" xmlns:p14="http://schemas.microsoft.com/office/powerpoint/2010/main">
-  <p:cSld>
-    <p:spTree>
-      <p:nvGrpSpPr>
-        <p:cNvPr id="299" name="Shape 299"/>
-        <p:cNvGrpSpPr/>
-        <p:nvPr/>
-      </p:nvGrpSpPr>
-      <p:grpSpPr>
-        <a:xfrm>
-          <a:off x="0" y="0"/>
-          <a:ext cx="0" cy="0"/>
-          <a:chOff x="0" y="0"/>
-          <a:chExt cx="0" cy="0"/>
-        </a:xfrm>
-      </p:grpSpPr>
-      <p:sp>
-        <p:nvSpPr>
-          <p:cNvPr id="300" name="Shape 300"/>
-          <p:cNvSpPr txBox="1"/>
-          <p:nvPr>
-            <p:ph type="title"/>
-          </p:nvPr>
-        </p:nvSpPr>
-        <p:spPr>
-          <a:xfrm>
-            <a:off x="311700" y="445025"/>
-            <a:ext cx="8520600" cy="572700"/>
-          </a:xfrm>
-          <a:prstGeom prst="rect">
-            <a:avLst/>
-          </a:prstGeom>
-        </p:spPr>
-        <p:txBody>
-          <a:bodyPr anchorCtr="0" anchor="t" bIns="91425" lIns="91425" rIns="91425" tIns="91425">
-            <a:noAutofit/>
-          </a:bodyPr>
-          <a:lstStyle/>
-          <a:p>
-            <a:pPr lvl="0">
-              <a:spcBef>
-                <a:spcPts val="0"/>
-              </a:spcBef>
-              <a:buNone/>
-            </a:pPr>
-            <a:r>
-              <a:t/>
-            </a:r>
-            <a:endParaRPr/>
-          </a:p>
-        </p:txBody>
-      </p:sp>
-      <p:sp>
-        <p:nvSpPr>
-          <p:cNvPr id="301" name="Shape 301"/>
-          <p:cNvSpPr txBox="1"/>
-          <p:nvPr>
-            <p:ph idx="1" type="body"/>
-          </p:nvPr>
-        </p:nvSpPr>
-        <p:spPr>
-          <a:xfrm>
-            <a:off x="311700" y="1152475"/>
-            <a:ext cx="8520600" cy="3416400"/>
-          </a:xfrm>
-          <a:prstGeom prst="rect">
-            <a:avLst/>
-          </a:prstGeom>
-        </p:spPr>
-        <p:txBody>
-          <a:bodyPr anchorCtr="0" anchor="t" bIns="91425" lIns="91425" rIns="91425" tIns="91425">
-            <a:noAutofit/>
-          </a:bodyPr>
-          <a:lstStyle/>
-          <a:p>
-            <a:pPr lvl="0" rtl="0" algn="ctr">
-              <a:spcBef>
-                <a:spcPts val="0"/>
-              </a:spcBef>
-              <a:buNone/>
-            </a:pPr>
-            <a:r>
-              <a:t/>
-            </a:r>
-            <a:endParaRPr b="1" sz="6000">
-              <a:solidFill>
-                <a:srgbClr val="000000"/>
-              </a:solidFill>
-            </a:endParaRPr>
-          </a:p>
-          <a:p>
-            <a:pPr lvl="0" rtl="0" algn="ctr">
-              <a:spcBef>
-                <a:spcPts val="0"/>
-              </a:spcBef>
-              <a:buNone/>
-            </a:pPr>
-            <a:r>
-              <a:rPr b="1" lang="en" sz="6000">
-                <a:solidFill>
-                  <a:srgbClr val="000000"/>
-                </a:solidFill>
-              </a:rPr>
-              <a:t>Thank You</a:t>
-            </a:r>
-          </a:p>
-        </p:txBody>
-      </p:sp>
-      <p:sp>
-        <p:nvSpPr>
-          <p:cNvPr id="302" name="Shape 302"/>
+          <p:cNvPr id="294" name="Shape 294"/>
           <p:cNvSpPr txBox="1"/>
           <p:nvPr>
             <p:ph idx="12" type="sldNum"/>
@@ -14351,12 +13880,19 @@
               </a:spcBef>
             </a:pPr>
             <a:r>
+              <a:rPr b="1" lang="en"/>
+              <a:t>Inflectional</a:t>
+            </a:r>
+            <a:r>
               <a:rPr lang="en"/>
-              <a:t>Inflectional</a:t>
-            </a:r>
-            <a:r>
+              <a:t>	</a:t>
+            </a:r>
+            <a:br>
               <a:rPr lang="en"/>
-              <a:t>	→ same part-of-speech</a:t>
+            </a:br>
+            <a:r>
+              <a:rPr lang="en"/>
+              <a:t>→ same part of speech</a:t>
             </a:r>
             <a:br>
               <a:rPr lang="en"/>
@@ -14378,8 +13914,19 @@
               </a:spcBef>
             </a:pPr>
             <a:r>
+              <a:rPr b="1" lang="en"/>
+              <a:t>Derivational</a:t>
+            </a:r>
+            <a:r>
               <a:rPr lang="en"/>
-              <a:t>Derivational → change the part-of-speech</a:t>
+              <a:t> </a:t>
+            </a:r>
+            <a:br>
+              <a:rPr lang="en"/>
+            </a:br>
+            <a:r>
+              <a:rPr lang="en"/>
+              <a:t>→ change the part of speech</a:t>
             </a:r>
           </a:p>
           <a:p>
@@ -14617,7 +14164,7 @@
         </p:blipFill>
         <p:spPr>
           <a:xfrm>
-            <a:off x="3729700" y="1943100"/>
+            <a:off x="4458350" y="1943100"/>
             <a:ext cx="3649812" cy="2720124"/>
           </a:xfrm>
           <a:prstGeom prst="rect">
@@ -16652,7 +16199,20 @@
             </a:pPr>
             <a:r>
               <a:rPr lang="en" sz="1200"/>
-              <a:t>Download: http://sourceforge.net/projects/lemur/</a:t>
+              <a:t>Download: </a:t>
+            </a:r>
+            <a:r>
+              <a:rPr lang="en" sz="1200" u="sng">
+                <a:solidFill>
+                  <a:schemeClr val="hlink"/>
+                </a:solidFill>
+                <a:hlinkClick r:id="rId3"/>
+              </a:rPr>
+              <a:t>http://sourceforge.net/projects/lemur/</a:t>
+            </a:r>
+            <a:r>
+              <a:rPr lang="en" sz="1200"/>
+              <a:t> </a:t>
             </a:r>
           </a:p>
         </p:txBody>
@@ -17451,8 +17011,8 @@
         </p:nvSpPr>
         <p:spPr>
           <a:xfrm>
-            <a:off x="5839100" y="916325"/>
-            <a:ext cx="3116875" cy="3297475"/>
+            <a:off x="5839100" y="1237800"/>
+            <a:ext cx="3116875" cy="2419800"/>
           </a:xfrm>
           <a:prstGeom prst="flowChartPunchedTape">
             <a:avLst/>
@@ -17488,11 +17048,11 @@
             </a:r>
           </a:p>
           <a:p>
-            <a:pPr indent="-228600" lvl="0" marL="457200" rtl="0">
-              <a:spcBef>
-                <a:spcPts val="0"/>
-              </a:spcBef>
-              <a:buChar char="●"/>
+            <a:pPr lvl="0" rtl="0">
+              <a:spcBef>
+                <a:spcPts val="0"/>
+              </a:spcBef>
+              <a:buNone/>
             </a:pPr>
             <a:r>
               <a:rPr i="1" lang="en"/>
@@ -17513,38 +17073,6 @@
             <a:br>
               <a:rPr b="1" i="1" lang="en" u="sng"/>
             </a:br>
-          </a:p>
-          <a:p>
-            <a:pPr indent="-228600" lvl="0" marL="457200">
-              <a:spcBef>
-                <a:spcPts val="0"/>
-              </a:spcBef>
-              <a:buChar char="●"/>
-            </a:pPr>
-            <a:r>
-              <a:rPr b="1" i="1" lang="en" u="sng"/>
-              <a:t>Unrelated senses</a:t>
-            </a:r>
-            <a:r>
-              <a:rPr i="1" lang="en"/>
-              <a:t> will be more </a:t>
-            </a:r>
-            <a:r>
-              <a:rPr b="1" i="1" lang="en" u="sng"/>
-              <a:t>effective</a:t>
-            </a:r>
-            <a:r>
-              <a:rPr i="1" lang="en"/>
-              <a:t> at separating </a:t>
-            </a:r>
-            <a:r>
-              <a:rPr b="1" i="1" lang="en" u="sng"/>
-              <a:t>relevant from nonrelevant </a:t>
-            </a:r>
-            <a:r>
-              <a:rPr i="1" lang="en"/>
-              <a:t>documents. </a:t>
-            </a:r>
           </a:p>
         </p:txBody>
       </p:sp>
@@ -17593,6 +17121,285 @@
 </file>
 
 <file path=ppt/theme/theme1.xml><?xml version="1.0" encoding="utf-8"?>
+<a:theme xmlns:a="http://schemas.openxmlformats.org/drawingml/2006/main" xmlns:r="http://schemas.openxmlformats.org/officeDocument/2006/relationships" name="Custom Theme">
+  <a:themeElements>
+    <a:clrScheme name="Default">
+      <a:dk1>
+        <a:srgbClr val="000000"/>
+      </a:dk1>
+      <a:lt1>
+        <a:srgbClr val="FFFFFF"/>
+      </a:lt1>
+      <a:dk2>
+        <a:srgbClr val="158158"/>
+      </a:dk2>
+      <a:lt2>
+        <a:srgbClr val="F3F3F3"/>
+      </a:lt2>
+      <a:accent1>
+        <a:srgbClr val="058DC7"/>
+      </a:accent1>
+      <a:accent2>
+        <a:srgbClr val="50B432"/>
+      </a:accent2>
+      <a:accent3>
+        <a:srgbClr val="ED561B"/>
+      </a:accent3>
+      <a:accent4>
+        <a:srgbClr val="EDEF00"/>
+      </a:accent4>
+      <a:accent5>
+        <a:srgbClr val="24CBE5"/>
+      </a:accent5>
+      <a:accent6>
+        <a:srgbClr val="64E572"/>
+      </a:accent6>
+      <a:hlink>
+        <a:srgbClr val="2200CC"/>
+      </a:hlink>
+      <a:folHlink>
+        <a:srgbClr val="551A8B"/>
+      </a:folHlink>
+    </a:clrScheme>
+    <a:fontScheme name="Office">
+      <a:majorFont>
+        <a:latin typeface="Arial"/>
+        <a:ea typeface=""/>
+        <a:cs typeface=""/>
+        <a:font script="Jpan" typeface="ＭＳ Ｐゴシック"/>
+        <a:font script="Hang" typeface="맑은 고딕"/>
+        <a:font script="Hans" typeface="宋体"/>
+        <a:font script="Hant" typeface="新細明體"/>
+        <a:font script="Arab" typeface="Times New Roman"/>
+        <a:font script="Hebr" typeface="Times New Roman"/>
+        <a:font script="Thai" typeface="Angsana New"/>
+        <a:font script="Ethi" typeface="Nyala"/>
+        <a:font script="Beng" typeface="Vrinda"/>
+        <a:font script="Gujr" typeface="Shruti"/>
+        <a:font script="Khmr" typeface="MoolBoran"/>
+        <a:font script="Knda" typeface="Tunga"/>
+        <a:font script="Guru" typeface="Raavi"/>
+        <a:font script="Cans" typeface="Euphemia"/>
+        <a:font script="Cher" typeface="Plantagenet Cherokee"/>
+        <a:font script="Yiii" typeface="Microsoft Yi Baiti"/>
+        <a:font script="Tibt" typeface="Microsoft Himalaya"/>
+        <a:font script="Thaa" typeface="MV Boli"/>
+        <a:font script="Deva" typeface="Mangal"/>
+        <a:font script="Telu" typeface="Gautami"/>
+        <a:font script="Taml" typeface="Latha"/>
+        <a:font script="Syrc" typeface="Estrangelo Edessa"/>
+        <a:font script="Orya" typeface="Kalinga"/>
+        <a:font script="Mlym" typeface="Kartika"/>
+        <a:font script="Laoo" typeface="DokChampa"/>
+        <a:font script="Sinh" typeface="Iskoola Pota"/>
+        <a:font script="Mong" typeface="Mongolian Baiti"/>
+        <a:font script="Viet" typeface="Times New Roman"/>
+        <a:font script="Uigh" typeface="Microsoft Uighur"/>
+        <a:font script="Geor" typeface="Sylfaen"/>
+      </a:majorFont>
+      <a:minorFont>
+        <a:latin typeface="Arial"/>
+        <a:ea typeface=""/>
+        <a:cs typeface=""/>
+        <a:font script="Jpan" typeface="ＭＳ Ｐゴシック"/>
+        <a:font script="Hang" typeface="맑은 고딕"/>
+        <a:font script="Hans" typeface="宋体"/>
+        <a:font script="Hant" typeface="新細明體"/>
+        <a:font script="Arab" typeface="Arial"/>
+        <a:font script="Hebr" typeface="Arial"/>
+        <a:font script="Thai" typeface="Cordia New"/>
+        <a:font script="Ethi" typeface="Nyala"/>
+        <a:font script="Beng" typeface="Vrinda"/>
+        <a:font script="Gujr" typeface="Shruti"/>
+        <a:font script="Khmr" typeface="DaunPenh"/>
+        <a:font script="Knda" typeface="Tunga"/>
+        <a:font script="Guru" typeface="Raavi"/>
+        <a:font script="Cans" typeface="Euphemia"/>
+        <a:font script="Cher" typeface="Plantagenet Cherokee"/>
+        <a:font script="Yiii" typeface="Microsoft Yi Baiti"/>
+        <a:font script="Tibt" typeface="Microsoft Himalaya"/>
+        <a:font script="Thaa" typeface="MV Boli"/>
+        <a:font script="Deva" typeface="Mangal"/>
+        <a:font script="Telu" typeface="Gautami"/>
+        <a:font script="Taml" typeface="Latha"/>
+        <a:font script="Syrc" typeface="Estrangelo Edessa"/>
+        <a:font script="Orya" typeface="Kalinga"/>
+        <a:font script="Mlym" typeface="Kartika"/>
+        <a:font script="Laoo" typeface="DokChampa"/>
+        <a:font script="Sinh" typeface="Iskoola Pota"/>
+        <a:font script="Mong" typeface="Mongolian Baiti"/>
+        <a:font script="Viet" typeface="Arial"/>
+        <a:font script="Uigh" typeface="Microsoft Uighur"/>
+        <a:font script="Geor" typeface="Sylfaen"/>
+      </a:minorFont>
+    </a:fontScheme>
+    <a:fmtScheme name="Office">
+      <a:fillStyleLst>
+        <a:solidFill>
+          <a:schemeClr val="phClr"/>
+        </a:solidFill>
+        <a:gradFill rotWithShape="1">
+          <a:gsLst>
+            <a:gs pos="0">
+              <a:schemeClr val="phClr">
+                <a:tint val="50000"/>
+                <a:satMod val="300000"/>
+              </a:schemeClr>
+            </a:gs>
+            <a:gs pos="35000">
+              <a:schemeClr val="phClr">
+                <a:tint val="37000"/>
+                <a:satMod val="300000"/>
+              </a:schemeClr>
+            </a:gs>
+            <a:gs pos="100000">
+              <a:schemeClr val="phClr">
+                <a:tint val="15000"/>
+                <a:satMod val="350000"/>
+              </a:schemeClr>
+            </a:gs>
+          </a:gsLst>
+          <a:lin ang="16200000" scaled="1"/>
+        </a:gradFill>
+        <a:gradFill rotWithShape="1">
+          <a:gsLst>
+            <a:gs pos="0">
+              <a:schemeClr val="phClr">
+                <a:tint val="100000"/>
+                <a:shade val="100000"/>
+                <a:satMod val="130000"/>
+              </a:schemeClr>
+            </a:gs>
+            <a:gs pos="100000">
+              <a:schemeClr val="phClr">
+                <a:tint val="50000"/>
+                <a:shade val="100000"/>
+                <a:satMod val="350000"/>
+              </a:schemeClr>
+            </a:gs>
+          </a:gsLst>
+          <a:lin ang="16200000" scaled="0"/>
+        </a:gradFill>
+      </a:fillStyleLst>
+      <a:lnStyleLst>
+        <a:ln w="9525" cap="flat" cmpd="sng" algn="ctr">
+          <a:solidFill>
+            <a:schemeClr val="phClr">
+              <a:shade val="95000"/>
+              <a:satMod val="105000"/>
+            </a:schemeClr>
+          </a:solidFill>
+          <a:prstDash val="solid"/>
+        </a:ln>
+        <a:ln w="25400" cap="flat" cmpd="sng" algn="ctr">
+          <a:solidFill>
+            <a:schemeClr val="phClr"/>
+          </a:solidFill>
+          <a:prstDash val="solid"/>
+        </a:ln>
+        <a:ln w="38100" cap="flat" cmpd="sng" algn="ctr">
+          <a:solidFill>
+            <a:schemeClr val="phClr"/>
+          </a:solidFill>
+          <a:prstDash val="solid"/>
+        </a:ln>
+      </a:lnStyleLst>
+      <a:effectStyleLst>
+        <a:effectStyle>
+          <a:effectLst>
+            <a:outerShdw blurRad="40000" dist="20000" dir="5400000" rotWithShape="0">
+              <a:srgbClr val="000000">
+                <a:alpha val="38000"/>
+              </a:srgbClr>
+            </a:outerShdw>
+          </a:effectLst>
+        </a:effectStyle>
+        <a:effectStyle>
+          <a:effectLst>
+            <a:outerShdw blurRad="40000" dist="23000" dir="5400000" rotWithShape="0">
+              <a:srgbClr val="000000">
+                <a:alpha val="35000"/>
+              </a:srgbClr>
+            </a:outerShdw>
+          </a:effectLst>
+        </a:effectStyle>
+        <a:effectStyle>
+          <a:effectLst>
+            <a:outerShdw blurRad="40000" dist="23000" dir="5400000" rotWithShape="0">
+              <a:srgbClr val="000000">
+                <a:alpha val="35000"/>
+              </a:srgbClr>
+            </a:outerShdw>
+          </a:effectLst>
+          <a:scene3d>
+            <a:camera prst="orthographicFront">
+              <a:rot lat="0" lon="0" rev="0"/>
+            </a:camera>
+            <a:lightRig rig="threePt" dir="t">
+              <a:rot lat="0" lon="0" rev="1200000"/>
+            </a:lightRig>
+          </a:scene3d>
+          <a:sp3d>
+            <a:bevelT w="63500" h="25400"/>
+          </a:sp3d>
+        </a:effectStyle>
+      </a:effectStyleLst>
+      <a:bgFillStyleLst>
+        <a:solidFill>
+          <a:schemeClr val="phClr"/>
+        </a:solidFill>
+        <a:gradFill rotWithShape="1">
+          <a:gsLst>
+            <a:gs pos="0">
+              <a:schemeClr val="phClr">
+                <a:tint val="40000"/>
+                <a:satMod val="350000"/>
+              </a:schemeClr>
+            </a:gs>
+            <a:gs pos="40000">
+              <a:schemeClr val="phClr">
+                <a:tint val="45000"/>
+                <a:shade val="99000"/>
+                <a:satMod val="350000"/>
+              </a:schemeClr>
+            </a:gs>
+            <a:gs pos="100000">
+              <a:schemeClr val="phClr">
+                <a:shade val="20000"/>
+                <a:satMod val="255000"/>
+              </a:schemeClr>
+            </a:gs>
+          </a:gsLst>
+          <a:path path="circle">
+            <a:fillToRect l="50000" t="-80000" r="50000" b="180000"/>
+          </a:path>
+        </a:gradFill>
+        <a:gradFill rotWithShape="1">
+          <a:gsLst>
+            <a:gs pos="0">
+              <a:schemeClr val="phClr">
+                <a:tint val="80000"/>
+                <a:satMod val="300000"/>
+              </a:schemeClr>
+            </a:gs>
+            <a:gs pos="100000">
+              <a:schemeClr val="phClr">
+                <a:shade val="30000"/>
+                <a:satMod val="200000"/>
+              </a:schemeClr>
+            </a:gs>
+          </a:gsLst>
+          <a:path path="circle">
+            <a:fillToRect l="50000" t="50000" r="50000" b="50000"/>
+          </a:path>
+        </a:gradFill>
+      </a:bgFillStyleLst>
+    </a:fmtScheme>
+  </a:themeElements>
+</a:theme>
+</file>
+
+<file path=ppt/theme/theme2.xml><?xml version="1.0" encoding="utf-8"?>
 <a:theme xmlns:a="http://schemas.openxmlformats.org/drawingml/2006/main" xmlns:r="http://schemas.openxmlformats.org/officeDocument/2006/relationships" name="simple-light-2">
   <a:themeElements>
     <a:clrScheme name="Simple Light">
@@ -17869,283 +17676,4 @@
     </a:fmtScheme>
   </a:themeElements>
 </a:theme>
-</file>
-
-<file path=ppt/theme/theme2.xml><?xml version="1.0" encoding="utf-8"?>
-<a:theme xmlns:a="http://schemas.openxmlformats.org/drawingml/2006/main" xmlns:r="http://schemas.openxmlformats.org/officeDocument/2006/relationships" name="Custom Theme">
-  <a:themeElements>
-    <a:clrScheme name="Default">
-      <a:dk1>
-        <a:srgbClr val="000000"/>
-      </a:dk1>
-      <a:lt1>
-        <a:srgbClr val="FFFFFF"/>
-      </a:lt1>
-      <a:dk2>
-        <a:srgbClr val="158158"/>
-      </a:dk2>
-      <a:lt2>
-        <a:srgbClr val="F3F3F3"/>
-      </a:lt2>
-      <a:accent1>
-        <a:srgbClr val="058DC7"/>
-      </a:accent1>
-      <a:accent2>
-        <a:srgbClr val="50B432"/>
-      </a:accent2>
-      <a:accent3>
-        <a:srgbClr val="ED561B"/>
-      </a:accent3>
-      <a:accent4>
-        <a:srgbClr val="EDEF00"/>
-      </a:accent4>
-      <a:accent5>
-        <a:srgbClr val="24CBE5"/>
-      </a:accent5>
-      <a:accent6>
-        <a:srgbClr val="64E572"/>
-      </a:accent6>
-      <a:hlink>
-        <a:srgbClr val="2200CC"/>
-      </a:hlink>
-      <a:folHlink>
-        <a:srgbClr val="551A8B"/>
-      </a:folHlink>
-    </a:clrScheme>
-    <a:fontScheme name="Office">
-      <a:majorFont>
-        <a:latin typeface="Arial"/>
-        <a:ea typeface=""/>
-        <a:cs typeface=""/>
-        <a:font script="Jpan" typeface="ＭＳ Ｐゴシック"/>
-        <a:font script="Hang" typeface="맑은 고딕"/>
-        <a:font script="Hans" typeface="宋体"/>
-        <a:font script="Hant" typeface="新細明體"/>
-        <a:font script="Arab" typeface="Times New Roman"/>
-        <a:font script="Hebr" typeface="Times New Roman"/>
-        <a:font script="Thai" typeface="Angsana New"/>
-        <a:font script="Ethi" typeface="Nyala"/>
-        <a:font script="Beng" typeface="Vrinda"/>
-        <a:font script="Gujr" typeface="Shruti"/>
-        <a:font script="Khmr" typeface="MoolBoran"/>
-        <a:font script="Knda" typeface="Tunga"/>
-        <a:font script="Guru" typeface="Raavi"/>
-        <a:font script="Cans" typeface="Euphemia"/>
-        <a:font script="Cher" typeface="Plantagenet Cherokee"/>
-        <a:font script="Yiii" typeface="Microsoft Yi Baiti"/>
-        <a:font script="Tibt" typeface="Microsoft Himalaya"/>
-        <a:font script="Thaa" typeface="MV Boli"/>
-        <a:font script="Deva" typeface="Mangal"/>
-        <a:font script="Telu" typeface="Gautami"/>
-        <a:font script="Taml" typeface="Latha"/>
-        <a:font script="Syrc" typeface="Estrangelo Edessa"/>
-        <a:font script="Orya" typeface="Kalinga"/>
-        <a:font script="Mlym" typeface="Kartika"/>
-        <a:font script="Laoo" typeface="DokChampa"/>
-        <a:font script="Sinh" typeface="Iskoola Pota"/>
-        <a:font script="Mong" typeface="Mongolian Baiti"/>
-        <a:font script="Viet" typeface="Times New Roman"/>
-        <a:font script="Uigh" typeface="Microsoft Uighur"/>
-        <a:font script="Geor" typeface="Sylfaen"/>
-      </a:majorFont>
-      <a:minorFont>
-        <a:latin typeface="Arial"/>
-        <a:ea typeface=""/>
-        <a:cs typeface=""/>
-        <a:font script="Jpan" typeface="ＭＳ Ｐゴシック"/>
-        <a:font script="Hang" typeface="맑은 고딕"/>
-        <a:font script="Hans" typeface="宋体"/>
-        <a:font script="Hant" typeface="新細明體"/>
-        <a:font script="Arab" typeface="Arial"/>
-        <a:font script="Hebr" typeface="Arial"/>
-        <a:font script="Thai" typeface="Cordia New"/>
-        <a:font script="Ethi" typeface="Nyala"/>
-        <a:font script="Beng" typeface="Vrinda"/>
-        <a:font script="Gujr" typeface="Shruti"/>
-        <a:font script="Khmr" typeface="DaunPenh"/>
-        <a:font script="Knda" typeface="Tunga"/>
-        <a:font script="Guru" typeface="Raavi"/>
-        <a:font script="Cans" typeface="Euphemia"/>
-        <a:font script="Cher" typeface="Plantagenet Cherokee"/>
-        <a:font script="Yiii" typeface="Microsoft Yi Baiti"/>
-        <a:font script="Tibt" typeface="Microsoft Himalaya"/>
-        <a:font script="Thaa" typeface="MV Boli"/>
-        <a:font script="Deva" typeface="Mangal"/>
-        <a:font script="Telu" typeface="Gautami"/>
-        <a:font script="Taml" typeface="Latha"/>
-        <a:font script="Syrc" typeface="Estrangelo Edessa"/>
-        <a:font script="Orya" typeface="Kalinga"/>
-        <a:font script="Mlym" typeface="Kartika"/>
-        <a:font script="Laoo" typeface="DokChampa"/>
-        <a:font script="Sinh" typeface="Iskoola Pota"/>
-        <a:font script="Mong" typeface="Mongolian Baiti"/>
-        <a:font script="Viet" typeface="Arial"/>
-        <a:font script="Uigh" typeface="Microsoft Uighur"/>
-        <a:font script="Geor" typeface="Sylfaen"/>
-      </a:minorFont>
-    </a:fontScheme>
-    <a:fmtScheme name="Office">
-      <a:fillStyleLst>
-        <a:solidFill>
-          <a:schemeClr val="phClr"/>
-        </a:solidFill>
-        <a:gradFill rotWithShape="1">
-          <a:gsLst>
-            <a:gs pos="0">
-              <a:schemeClr val="phClr">
-                <a:tint val="50000"/>
-                <a:satMod val="300000"/>
-              </a:schemeClr>
-            </a:gs>
-            <a:gs pos="35000">
-              <a:schemeClr val="phClr">
-                <a:tint val="37000"/>
-                <a:satMod val="300000"/>
-              </a:schemeClr>
-            </a:gs>
-            <a:gs pos="100000">
-              <a:schemeClr val="phClr">
-                <a:tint val="15000"/>
-                <a:satMod val="350000"/>
-              </a:schemeClr>
-            </a:gs>
-          </a:gsLst>
-          <a:lin ang="16200000" scaled="1"/>
-        </a:gradFill>
-        <a:gradFill rotWithShape="1">
-          <a:gsLst>
-            <a:gs pos="0">
-              <a:schemeClr val="phClr">
-                <a:tint val="100000"/>
-                <a:shade val="100000"/>
-                <a:satMod val="130000"/>
-              </a:schemeClr>
-            </a:gs>
-            <a:gs pos="100000">
-              <a:schemeClr val="phClr">
-                <a:tint val="50000"/>
-                <a:shade val="100000"/>
-                <a:satMod val="350000"/>
-              </a:schemeClr>
-            </a:gs>
-          </a:gsLst>
-          <a:lin ang="16200000" scaled="0"/>
-        </a:gradFill>
-      </a:fillStyleLst>
-      <a:lnStyleLst>
-        <a:ln w="9525" cap="flat" cmpd="sng" algn="ctr">
-          <a:solidFill>
-            <a:schemeClr val="phClr">
-              <a:shade val="95000"/>
-              <a:satMod val="105000"/>
-            </a:schemeClr>
-          </a:solidFill>
-          <a:prstDash val="solid"/>
-        </a:ln>
-        <a:ln w="25400" cap="flat" cmpd="sng" algn="ctr">
-          <a:solidFill>
-            <a:schemeClr val="phClr"/>
-          </a:solidFill>
-          <a:prstDash val="solid"/>
-        </a:ln>
-        <a:ln w="38100" cap="flat" cmpd="sng" algn="ctr">
-          <a:solidFill>
-            <a:schemeClr val="phClr"/>
-          </a:solidFill>
-          <a:prstDash val="solid"/>
-        </a:ln>
-      </a:lnStyleLst>
-      <a:effectStyleLst>
-        <a:effectStyle>
-          <a:effectLst>
-            <a:outerShdw blurRad="40000" dist="20000" dir="5400000" rotWithShape="0">
-              <a:srgbClr val="000000">
-                <a:alpha val="38000"/>
-              </a:srgbClr>
-            </a:outerShdw>
-          </a:effectLst>
-        </a:effectStyle>
-        <a:effectStyle>
-          <a:effectLst>
-            <a:outerShdw blurRad="40000" dist="23000" dir="5400000" rotWithShape="0">
-              <a:srgbClr val="000000">
-                <a:alpha val="35000"/>
-              </a:srgbClr>
-            </a:outerShdw>
-          </a:effectLst>
-        </a:effectStyle>
-        <a:effectStyle>
-          <a:effectLst>
-            <a:outerShdw blurRad="40000" dist="23000" dir="5400000" rotWithShape="0">
-              <a:srgbClr val="000000">
-                <a:alpha val="35000"/>
-              </a:srgbClr>
-            </a:outerShdw>
-          </a:effectLst>
-          <a:scene3d>
-            <a:camera prst="orthographicFront">
-              <a:rot lat="0" lon="0" rev="0"/>
-            </a:camera>
-            <a:lightRig rig="threePt" dir="t">
-              <a:rot lat="0" lon="0" rev="1200000"/>
-            </a:lightRig>
-          </a:scene3d>
-          <a:sp3d>
-            <a:bevelT w="63500" h="25400"/>
-          </a:sp3d>
-        </a:effectStyle>
-      </a:effectStyleLst>
-      <a:bgFillStyleLst>
-        <a:solidFill>
-          <a:schemeClr val="phClr"/>
-        </a:solidFill>
-        <a:gradFill rotWithShape="1">
-          <a:gsLst>
-            <a:gs pos="0">
-              <a:schemeClr val="phClr">
-                <a:tint val="40000"/>
-                <a:satMod val="350000"/>
-              </a:schemeClr>
-            </a:gs>
-            <a:gs pos="40000">
-              <a:schemeClr val="phClr">
-                <a:tint val="45000"/>
-                <a:shade val="99000"/>
-                <a:satMod val="350000"/>
-              </a:schemeClr>
-            </a:gs>
-            <a:gs pos="100000">
-              <a:schemeClr val="phClr">
-                <a:shade val="20000"/>
-                <a:satMod val="255000"/>
-              </a:schemeClr>
-            </a:gs>
-          </a:gsLst>
-          <a:path path="circle">
-            <a:fillToRect l="50000" t="-80000" r="50000" b="180000"/>
-          </a:path>
-        </a:gradFill>
-        <a:gradFill rotWithShape="1">
-          <a:gsLst>
-            <a:gs pos="0">
-              <a:schemeClr val="phClr">
-                <a:tint val="80000"/>
-                <a:satMod val="300000"/>
-              </a:schemeClr>
-            </a:gs>
-            <a:gs pos="100000">
-              <a:schemeClr val="phClr">
-                <a:shade val="30000"/>
-                <a:satMod val="200000"/>
-              </a:schemeClr>
-            </a:gs>
-          </a:gsLst>
-          <a:path path="circle">
-            <a:fillToRect l="50000" t="50000" r="50000" b="50000"/>
-          </a:path>
-        </a:gradFill>
-      </a:bgFillStyleLst>
-    </a:fmtScheme>
-  </a:themeElements>
-</a:theme>
 </file>